--- a/msr6-bof-eckert-why-and-how.pptx
+++ b/msr6-bof-eckert-why-and-how.pptx
@@ -10479,7 +10479,7 @@
             </a:r>
             <a:r>
               <a:rPr sz="2200"/>
-              <a:t> spec, ? early inception of drafts for the other WG (pass over) ?</a:t>
+              <a:t> spec, ? Pass over to responsible W when minimum quality met ?!</a:t>
             </a:r>
             <a:endParaRPr sz="2200"/>
           </a:p>
@@ -10513,7 +10513,7 @@
             </a:pPr>
             <a:r>
               <a:rPr sz="2200"/>
-              <a:t>Additional reality check with 6MAN</a:t>
+              <a:t>Additional reality check with V6OPS</a:t>
             </a:r>
             <a:r>
               <a:rPr sz="1800"/>
@@ -10587,7 +10587,7 @@
             </a:pPr>
             <a:r>
               <a:rPr/>
-              <a:t>SP -&gt; DCN: Build once, sell twice ?!</a:t>
+              <a:t>SP -&gt; DCN: Build once, sell twice ?!!</a:t>
             </a:r>
             <a:endParaRPr/>
           </a:p>
@@ -10640,7 +10640,7 @@
             </a:pPr>
             <a:r>
               <a:rPr/>
-              <a:t>Mostly not using SRv6 ?</a:t>
+              <a:t>SRv6/SRH less necessary for TE (FlowLabel because of ECMP etc..).</a:t>
             </a:r>
             <a:endParaRPr/>
           </a:p>
@@ -10650,11 +10650,7 @@
             </a:pPr>
             <a:r>
               <a:rPr/>
-              <a:t>SRv6 N</a:t>
-            </a:r>
-            <a:r>
-              <a:rPr/>
-              <a:t>ot needed for MSR6 if we specify appropriately !</a:t>
+              <a:t>SRv6 may just rely on Destination Address SID semantics without SRH.</a:t>
             </a:r>
             <a:endParaRPr/>
           </a:p>
@@ -10694,7 +10690,7 @@
             </a:pPr>
             <a:r>
               <a:rPr/>
-              <a:t>Additional work for MSR6 ?</a:t>
+              <a:t>Additional work for MSR6 in DCN ?</a:t>
             </a:r>
             <a:endParaRPr/>
           </a:p>
